--- a/Final Presentation.pptx
+++ b/Final Presentation.pptx
@@ -104,7 +104,49 @@
       </a:defRPr>
     </a:lvl9pPr>
   </p:defaultTextStyle>
+  <p:extLst>
+    <p:ext uri="{EFAFB233-063F-42B5-8137-9DF3F51BA10A}">
+      <p15:sldGuideLst xmlns:p15="http://schemas.microsoft.com/office/powerpoint/2012/main"/>
+    </p:ext>
+  </p:extLst>
 </p:presentation>
+</file>
+
+<file path=ppt/revisionInfo.xml><?xml version="1.0" encoding="utf-8"?>
+<p1510:revInfo xmlns:a="http://schemas.openxmlformats.org/drawingml/2006/main" xmlns:r="http://schemas.openxmlformats.org/officeDocument/2006/relationships" xmlns:p1510="http://schemas.microsoft.com/office/powerpoint/2015/10/main">
+  <p1510:revLst>
+    <p1510:client id="{E04CF543-52C2-4FA9-9190-8F3EA560E307}" v="1" dt="2022-12-05T16:47:56.093"/>
+  </p1510:revLst>
+</p1510:revInfo>
+</file>
+
+<file path=ppt/changesInfos/changesInfo1.xml><?xml version="1.0" encoding="utf-8"?>
+<pc:chgInfo xmlns:a="http://schemas.openxmlformats.org/drawingml/2006/main" xmlns:r="http://schemas.openxmlformats.org/officeDocument/2006/relationships" xmlns:ac="http://schemas.microsoft.com/office/drawing/2013/main/command" xmlns:pc="http://schemas.microsoft.com/office/powerpoint/2013/main/command">
+  <pc:docChgLst>
+    <pc:chgData name="Donte DiFrancesco" userId="92c614ef88483475" providerId="LiveId" clId="{E04CF543-52C2-4FA9-9190-8F3EA560E307}"/>
+    <pc:docChg chg="modSld">
+      <pc:chgData name="Donte DiFrancesco" userId="92c614ef88483475" providerId="LiveId" clId="{E04CF543-52C2-4FA9-9190-8F3EA560E307}" dt="2022-12-05T16:48:46.858" v="9" actId="255"/>
+      <pc:docMkLst>
+        <pc:docMk/>
+      </pc:docMkLst>
+      <pc:sldChg chg="modSp mod setBg">
+        <pc:chgData name="Donte DiFrancesco" userId="92c614ef88483475" providerId="LiveId" clId="{E04CF543-52C2-4FA9-9190-8F3EA560E307}" dt="2022-12-05T16:48:46.858" v="9" actId="255"/>
+        <pc:sldMkLst>
+          <pc:docMk/>
+          <pc:sldMk cId="3074833763" sldId="256"/>
+        </pc:sldMkLst>
+        <pc:spChg chg="mod">
+          <ac:chgData name="Donte DiFrancesco" userId="92c614ef88483475" providerId="LiveId" clId="{E04CF543-52C2-4FA9-9190-8F3EA560E307}" dt="2022-12-05T16:48:46.858" v="9" actId="255"/>
+          <ac:spMkLst>
+            <pc:docMk/>
+            <pc:sldMk cId="3074833763" sldId="256"/>
+            <ac:spMk id="4" creationId="{53913889-A661-C115-7FB0-2C4F7D18769B}"/>
+          </ac:spMkLst>
+        </pc:spChg>
+      </pc:sldChg>
+    </pc:docChg>
+  </pc:docChgLst>
+</pc:chgInfo>
 </file>
 
 <file path=ppt/charts/chart1.xml><?xml version="1.0" encoding="utf-8"?>
@@ -984,7 +1026,7 @@
                     </c:numCache>
                   </c:numRef>
                 </c:val>
-                <c:extLst>
+                <c:extLst xmlns:c15="http://schemas.microsoft.com/office/drawing/2012/chart">
                   <c:ext xmlns:c16="http://schemas.microsoft.com/office/drawing/2014/chart" uri="{C3380CC4-5D6E-409C-BE32-E72D297353CC}">
                     <c16:uniqueId val="{00000004-B7D7-4968-ADE0-CC062447CE39}"/>
                   </c:ext>
@@ -1165,7 +1207,7 @@
                     </c:numCache>
                   </c:numRef>
                 </c:val>
-                <c:extLst>
+                <c:extLst xmlns:c15="http://schemas.microsoft.com/office/drawing/2012/chart">
                   <c:ext xmlns:c16="http://schemas.microsoft.com/office/drawing/2014/chart" uri="{C3380CC4-5D6E-409C-BE32-E72D297353CC}">
                     <c16:uniqueId val="{00000005-B7D7-4968-ADE0-CC062447CE39}"/>
                   </c:ext>
@@ -2241,7 +2283,7 @@
                     </c:numCache>
                   </c:numRef>
                 </c:val>
-                <c:extLst>
+                <c:extLst xmlns:c15="http://schemas.microsoft.com/office/drawing/2012/chart">
                   <c:ext xmlns:c16="http://schemas.microsoft.com/office/drawing/2014/chart" uri="{C3380CC4-5D6E-409C-BE32-E72D297353CC}">
                     <c16:uniqueId val="{00000004-F2D5-49D1-A50B-262663E05C4A}"/>
                   </c:ext>
@@ -2422,7 +2464,7 @@
                     </c:numCache>
                   </c:numRef>
                 </c:val>
-                <c:extLst>
+                <c:extLst xmlns:c15="http://schemas.microsoft.com/office/drawing/2012/chart">
                   <c:ext xmlns:c16="http://schemas.microsoft.com/office/drawing/2014/chart" uri="{C3380CC4-5D6E-409C-BE32-E72D297353CC}">
                     <c16:uniqueId val="{00000005-F2D5-49D1-A50B-262663E05C4A}"/>
                   </c:ext>
@@ -6541,7 +6583,10 @@
     <p:bg>
       <p:bgPr>
         <a:solidFill>
-          <a:schemeClr val="bg2"/>
+          <a:schemeClr val="tx1">
+            <a:lumMod val="75000"/>
+            <a:lumOff val="25000"/>
+          </a:schemeClr>
         </a:solidFill>
         <a:effectLst/>
       </p:bgPr>
@@ -6580,6 +6625,14 @@
           <a:prstGeom prst="roundRect">
             <a:avLst/>
           </a:prstGeom>
+          <a:noFill/>
+          <a:ln>
+            <a:solidFill>
+              <a:schemeClr val="accent1">
+                <a:lumMod val="75000"/>
+              </a:schemeClr>
+            </a:solidFill>
+          </a:ln>
         </p:spPr>
         <p:style>
           <a:lnRef idx="2">
@@ -6603,9 +6656,9 @@
           <a:p>
             <a:pPr algn="ctr"/>
             <a:r>
-              <a:rPr lang="en-US" sz="3600" b="1" dirty="0">
-                <a:latin typeface="Congenial Black" panose="020B0604020202020204" pitchFamily="2" charset="0"/>
-                <a:cs typeface="Arial" panose="020B0604020202020204" pitchFamily="34" charset="0"/>
+              <a:rPr lang="en-US" sz="4800" b="1" dirty="0">
+                <a:latin typeface="Times New Roman" panose="02020603050405020304" pitchFamily="18" charset="0"/>
+                <a:cs typeface="Times New Roman" panose="02020603050405020304" pitchFamily="18" charset="0"/>
               </a:rPr>
               <a:t>Introduction</a:t>
             </a:r>
@@ -6616,9 +6669,9 @@
               <a:buChar char="•"/>
             </a:pPr>
             <a:r>
-              <a:rPr lang="en-US" dirty="0">
-                <a:latin typeface="Congenial Black" panose="020B0604020202020204" pitchFamily="2" charset="0"/>
-                <a:cs typeface="Arial" panose="020B0604020202020204" pitchFamily="34" charset="0"/>
+              <a:rPr lang="en-US" sz="4800" dirty="0">
+                <a:latin typeface="Times New Roman" panose="02020603050405020304" pitchFamily="18" charset="0"/>
+                <a:cs typeface="Times New Roman" panose="02020603050405020304" pitchFamily="18" charset="0"/>
               </a:rPr>
               <a:t>EMS vehicles getting from point A to point B should be top priority on the road</a:t>
             </a:r>
@@ -6629,9 +6682,9 @@
               <a:buChar char="•"/>
             </a:pPr>
             <a:r>
-              <a:rPr lang="en-US" dirty="0">
-                <a:latin typeface="Congenial Black" panose="020B0604020202020204" pitchFamily="2" charset="0"/>
-                <a:cs typeface="Arial" panose="020B0604020202020204" pitchFamily="34" charset="0"/>
+              <a:rPr lang="en-US" sz="4800" dirty="0">
+                <a:latin typeface="Times New Roman" panose="02020603050405020304" pitchFamily="18" charset="0"/>
+                <a:cs typeface="Times New Roman" panose="02020603050405020304" pitchFamily="18" charset="0"/>
               </a:rPr>
               <a:t>Use adaptable traffic lights to give EMS vehicles extra time to react</a:t>
             </a:r>
